--- a/Slides/Fall2020 Slides/17_verilog-C.pptx
+++ b/Slides/Fall2020 Slides/17_verilog-C.pptx
@@ -369,35 +369,35 @@
           <a:p>
             <a:pPr lvl="0"/>
             <a:r>
-              <a:rPr lang="en-US" noProof="0" smtClean="0"/>
+              <a:rPr lang="en-US" noProof="0"/>
               <a:t>Click to edit Master text styles</a:t>
             </a:r>
           </a:p>
           <a:p>
             <a:pPr lvl="1"/>
             <a:r>
-              <a:rPr lang="en-US" noProof="0" smtClean="0"/>
+              <a:rPr lang="en-US" noProof="0"/>
               <a:t>Second level</a:t>
             </a:r>
           </a:p>
           <a:p>
             <a:pPr lvl="2"/>
             <a:r>
-              <a:rPr lang="en-US" noProof="0" smtClean="0"/>
+              <a:rPr lang="en-US" noProof="0"/>
               <a:t>Third level</a:t>
             </a:r>
           </a:p>
           <a:p>
             <a:pPr lvl="3"/>
             <a:r>
-              <a:rPr lang="en-US" noProof="0" smtClean="0"/>
+              <a:rPr lang="en-US" noProof="0"/>
               <a:t>Fourth level</a:t>
             </a:r>
           </a:p>
           <a:p>
             <a:pPr lvl="4"/>
             <a:r>
-              <a:rPr lang="en-US" noProof="0" smtClean="0"/>
+              <a:rPr lang="en-US" noProof="0"/>
               <a:t>Fifth level</a:t>
             </a:r>
           </a:p>
@@ -882,7 +882,7 @@
           <a:lstStyle/>
           <a:p>
             <a:pPr eaLnBrk="1" hangingPunct="1"/>
-            <a:endParaRPr lang="fa-IR" altLang="fa-IR" smtClean="0">
+            <a:endParaRPr lang="fa-IR" altLang="fa-IR">
               <a:cs typeface="Arial" panose="020B0604020202020204" pitchFamily="34" charset="0"/>
             </a:endParaRPr>
           </a:p>
@@ -1146,7 +1146,7 @@
           <a:lstStyle/>
           <a:p>
             <a:pPr eaLnBrk="1" hangingPunct="1"/>
-            <a:endParaRPr lang="fa-IR" altLang="fa-IR" smtClean="0">
+            <a:endParaRPr lang="fa-IR" altLang="fa-IR">
               <a:cs typeface="Arial" panose="020B0604020202020204" pitchFamily="34" charset="0"/>
             </a:endParaRPr>
           </a:p>
@@ -1410,7 +1410,7 @@
           <a:lstStyle/>
           <a:p>
             <a:pPr eaLnBrk="1" hangingPunct="1"/>
-            <a:endParaRPr lang="fa-IR" altLang="fa-IR" smtClean="0">
+            <a:endParaRPr lang="fa-IR" altLang="fa-IR">
               <a:cs typeface="Arial" panose="020B0604020202020204" pitchFamily="34" charset="0"/>
             </a:endParaRPr>
           </a:p>
@@ -1674,7 +1674,7 @@
           <a:lstStyle/>
           <a:p>
             <a:pPr eaLnBrk="1" hangingPunct="1"/>
-            <a:endParaRPr lang="fa-IR" altLang="fa-IR" smtClean="0">
+            <a:endParaRPr lang="fa-IR" altLang="fa-IR">
               <a:cs typeface="Arial" panose="020B0604020202020204" pitchFamily="34" charset="0"/>
             </a:endParaRPr>
           </a:p>
@@ -1938,7 +1938,7 @@
           <a:lstStyle/>
           <a:p>
             <a:pPr eaLnBrk="1" hangingPunct="1"/>
-            <a:endParaRPr lang="fa-IR" altLang="fa-IR" smtClean="0">
+            <a:endParaRPr lang="fa-IR" altLang="fa-IR">
               <a:cs typeface="Arial" panose="020B0604020202020204" pitchFamily="34" charset="0"/>
             </a:endParaRPr>
           </a:p>
@@ -2202,7 +2202,7 @@
           <a:lstStyle/>
           <a:p>
             <a:pPr eaLnBrk="1" hangingPunct="1"/>
-            <a:endParaRPr lang="fa-IR" altLang="fa-IR" smtClean="0">
+            <a:endParaRPr lang="fa-IR" altLang="fa-IR">
               <a:cs typeface="Arial" panose="020B0604020202020204" pitchFamily="34" charset="0"/>
             </a:endParaRPr>
           </a:p>
@@ -2466,7 +2466,7 @@
           <a:lstStyle/>
           <a:p>
             <a:pPr eaLnBrk="1" hangingPunct="1"/>
-            <a:endParaRPr lang="fa-IR" altLang="fa-IR" smtClean="0">
+            <a:endParaRPr lang="fa-IR" altLang="fa-IR">
               <a:cs typeface="Arial" panose="020B0604020202020204" pitchFamily="34" charset="0"/>
             </a:endParaRPr>
           </a:p>
@@ -2730,7 +2730,7 @@
           <a:lstStyle/>
           <a:p>
             <a:pPr eaLnBrk="1" hangingPunct="1"/>
-            <a:endParaRPr lang="fa-IR" altLang="fa-IR" smtClean="0">
+            <a:endParaRPr lang="fa-IR" altLang="fa-IR">
               <a:cs typeface="Arial" panose="020B0604020202020204" pitchFamily="34" charset="0"/>
             </a:endParaRPr>
           </a:p>
@@ -2994,7 +2994,7 @@
           <a:lstStyle/>
           <a:p>
             <a:pPr eaLnBrk="1" hangingPunct="1"/>
-            <a:endParaRPr lang="fa-IR" altLang="fa-IR" smtClean="0">
+            <a:endParaRPr lang="fa-IR" altLang="fa-IR">
               <a:cs typeface="Arial" panose="020B0604020202020204" pitchFamily="34" charset="0"/>
             </a:endParaRPr>
           </a:p>
@@ -3258,7 +3258,7 @@
           <a:lstStyle/>
           <a:p>
             <a:pPr eaLnBrk="1" hangingPunct="1"/>
-            <a:endParaRPr lang="fa-IR" altLang="fa-IR" smtClean="0">
+            <a:endParaRPr lang="fa-IR" altLang="fa-IR">
               <a:cs typeface="Arial" panose="020B0604020202020204" pitchFamily="34" charset="0"/>
             </a:endParaRPr>
           </a:p>
@@ -3522,7 +3522,7 @@
           <a:lstStyle/>
           <a:p>
             <a:pPr eaLnBrk="1" hangingPunct="1"/>
-            <a:endParaRPr lang="fa-IR" altLang="fa-IR" smtClean="0">
+            <a:endParaRPr lang="fa-IR" altLang="fa-IR">
               <a:cs typeface="Arial" panose="020B0604020202020204" pitchFamily="34" charset="0"/>
             </a:endParaRPr>
           </a:p>
@@ -3786,7 +3786,7 @@
           <a:lstStyle/>
           <a:p>
             <a:pPr eaLnBrk="1" hangingPunct="1"/>
-            <a:endParaRPr lang="fa-IR" altLang="fa-IR" smtClean="0">
+            <a:endParaRPr lang="fa-IR" altLang="fa-IR">
               <a:cs typeface="Arial" panose="020B0604020202020204" pitchFamily="34" charset="0"/>
             </a:endParaRPr>
           </a:p>
@@ -4050,7 +4050,7 @@
           <a:lstStyle/>
           <a:p>
             <a:pPr eaLnBrk="1" hangingPunct="1"/>
-            <a:endParaRPr lang="fa-IR" altLang="fa-IR" smtClean="0">
+            <a:endParaRPr lang="fa-IR" altLang="fa-IR">
               <a:cs typeface="Arial" panose="020B0604020202020204" pitchFamily="34" charset="0"/>
             </a:endParaRPr>
           </a:p>
@@ -4314,7 +4314,7 @@
           <a:lstStyle/>
           <a:p>
             <a:pPr eaLnBrk="1" hangingPunct="1"/>
-            <a:endParaRPr lang="fa-IR" altLang="fa-IR" smtClean="0">
+            <a:endParaRPr lang="fa-IR" altLang="fa-IR">
               <a:cs typeface="Arial" panose="020B0604020202020204" pitchFamily="34" charset="0"/>
             </a:endParaRPr>
           </a:p>
@@ -4578,7 +4578,7 @@
           <a:lstStyle/>
           <a:p>
             <a:pPr eaLnBrk="1" hangingPunct="1"/>
-            <a:endParaRPr lang="fa-IR" altLang="fa-IR" smtClean="0">
+            <a:endParaRPr lang="fa-IR" altLang="fa-IR">
               <a:cs typeface="Arial" panose="020B0604020202020204" pitchFamily="34" charset="0"/>
             </a:endParaRPr>
           </a:p>
@@ -4842,7 +4842,7 @@
           <a:lstStyle/>
           <a:p>
             <a:pPr eaLnBrk="1" hangingPunct="1"/>
-            <a:endParaRPr lang="fa-IR" altLang="fa-IR" smtClean="0">
+            <a:endParaRPr lang="fa-IR" altLang="fa-IR">
               <a:cs typeface="Arial" panose="020B0604020202020204" pitchFamily="34" charset="0"/>
             </a:endParaRPr>
           </a:p>
@@ -5106,7 +5106,7 @@
           <a:lstStyle/>
           <a:p>
             <a:pPr eaLnBrk="1" hangingPunct="1"/>
-            <a:endParaRPr lang="fa-IR" altLang="fa-IR" smtClean="0">
+            <a:endParaRPr lang="fa-IR" altLang="fa-IR">
               <a:cs typeface="Arial" panose="020B0604020202020204" pitchFamily="34" charset="0"/>
             </a:endParaRPr>
           </a:p>
@@ -5370,7 +5370,7 @@
           <a:lstStyle/>
           <a:p>
             <a:pPr eaLnBrk="1" hangingPunct="1"/>
-            <a:endParaRPr lang="fa-IR" altLang="fa-IR" smtClean="0">
+            <a:endParaRPr lang="fa-IR" altLang="fa-IR">
               <a:cs typeface="Arial" panose="020B0604020202020204" pitchFamily="34" charset="0"/>
             </a:endParaRPr>
           </a:p>
@@ -5981,10 +5981,9 @@
           <a:lstStyle/>
           <a:p>
             <a:r>
-              <a:rPr lang="en-US" smtClean="0"/>
+              <a:rPr lang="en-US"/>
               <a:t>Click to edit Master title style</a:t>
             </a:r>
-            <a:endParaRPr lang="en-US"/>
           </a:p>
         </p:txBody>
       </p:sp>
@@ -6005,38 +6004,37 @@
           <a:p>
             <a:pPr lvl="0"/>
             <a:r>
-              <a:rPr lang="en-US" smtClean="0"/>
+              <a:rPr lang="en-US"/>
               <a:t>Click to edit Master text styles</a:t>
             </a:r>
           </a:p>
           <a:p>
             <a:pPr lvl="1"/>
             <a:r>
-              <a:rPr lang="en-US" smtClean="0"/>
+              <a:rPr lang="en-US"/>
               <a:t>Second level</a:t>
             </a:r>
           </a:p>
           <a:p>
             <a:pPr lvl="2"/>
             <a:r>
-              <a:rPr lang="en-US" smtClean="0"/>
+              <a:rPr lang="en-US"/>
               <a:t>Third level</a:t>
             </a:r>
           </a:p>
           <a:p>
             <a:pPr lvl="3"/>
             <a:r>
-              <a:rPr lang="en-US" smtClean="0"/>
+              <a:rPr lang="en-US"/>
               <a:t>Fourth level</a:t>
             </a:r>
           </a:p>
           <a:p>
             <a:pPr lvl="4"/>
             <a:r>
-              <a:rPr lang="en-US" smtClean="0"/>
+              <a:rPr lang="en-US"/>
               <a:t>Fifth level</a:t>
             </a:r>
-            <a:endParaRPr lang="en-US"/>
           </a:p>
         </p:txBody>
       </p:sp>
@@ -6126,10 +6124,9 @@
           <a:lstStyle/>
           <a:p>
             <a:r>
-              <a:rPr lang="en-US" smtClean="0"/>
+              <a:rPr lang="en-US"/>
               <a:t>Click to edit Master title style</a:t>
             </a:r>
-            <a:endParaRPr lang="en-US"/>
           </a:p>
         </p:txBody>
       </p:sp>
@@ -6155,38 +6152,37 @@
           <a:p>
             <a:pPr lvl="0"/>
             <a:r>
-              <a:rPr lang="en-US" smtClean="0"/>
+              <a:rPr lang="en-US"/>
               <a:t>Click to edit Master text styles</a:t>
             </a:r>
           </a:p>
           <a:p>
             <a:pPr lvl="1"/>
             <a:r>
-              <a:rPr lang="en-US" smtClean="0"/>
+              <a:rPr lang="en-US"/>
               <a:t>Second level</a:t>
             </a:r>
           </a:p>
           <a:p>
             <a:pPr lvl="2"/>
             <a:r>
-              <a:rPr lang="en-US" smtClean="0"/>
+              <a:rPr lang="en-US"/>
               <a:t>Third level</a:t>
             </a:r>
           </a:p>
           <a:p>
             <a:pPr lvl="3"/>
             <a:r>
-              <a:rPr lang="en-US" smtClean="0"/>
+              <a:rPr lang="en-US"/>
               <a:t>Fourth level</a:t>
             </a:r>
           </a:p>
           <a:p>
             <a:pPr lvl="4"/>
             <a:r>
-              <a:rPr lang="en-US" smtClean="0"/>
+              <a:rPr lang="en-US"/>
               <a:t>Fifth level</a:t>
             </a:r>
-            <a:endParaRPr lang="en-US"/>
           </a:p>
         </p:txBody>
       </p:sp>
@@ -6276,10 +6272,9 @@
           <a:lstStyle/>
           <a:p>
             <a:r>
-              <a:rPr lang="en-US" smtClean="0"/>
+              <a:rPr lang="en-US"/>
               <a:t>Click to edit Master title style</a:t>
             </a:r>
-            <a:endParaRPr lang="en-US"/>
           </a:p>
         </p:txBody>
       </p:sp>
@@ -6305,38 +6300,37 @@
           <a:p>
             <a:pPr lvl="0"/>
             <a:r>
-              <a:rPr lang="en-US" smtClean="0"/>
+              <a:rPr lang="en-US"/>
               <a:t>Click to edit Master text styles</a:t>
             </a:r>
           </a:p>
           <a:p>
             <a:pPr lvl="1"/>
             <a:r>
-              <a:rPr lang="en-US" smtClean="0"/>
+              <a:rPr lang="en-US"/>
               <a:t>Second level</a:t>
             </a:r>
           </a:p>
           <a:p>
             <a:pPr lvl="2"/>
             <a:r>
-              <a:rPr lang="en-US" smtClean="0"/>
+              <a:rPr lang="en-US"/>
               <a:t>Third level</a:t>
             </a:r>
           </a:p>
           <a:p>
             <a:pPr lvl="3"/>
             <a:r>
-              <a:rPr lang="en-US" smtClean="0"/>
+              <a:rPr lang="en-US"/>
               <a:t>Fourth level</a:t>
             </a:r>
           </a:p>
           <a:p>
             <a:pPr lvl="4"/>
             <a:r>
-              <a:rPr lang="en-US" smtClean="0"/>
+              <a:rPr lang="en-US"/>
               <a:t>Fifth level</a:t>
             </a:r>
-            <a:endParaRPr lang="en-US"/>
           </a:p>
         </p:txBody>
       </p:sp>
@@ -6362,38 +6356,37 @@
           <a:p>
             <a:pPr lvl="0"/>
             <a:r>
-              <a:rPr lang="en-US" smtClean="0"/>
+              <a:rPr lang="en-US"/>
               <a:t>Click to edit Master text styles</a:t>
             </a:r>
           </a:p>
           <a:p>
             <a:pPr lvl="1"/>
             <a:r>
-              <a:rPr lang="en-US" smtClean="0"/>
+              <a:rPr lang="en-US"/>
               <a:t>Second level</a:t>
             </a:r>
           </a:p>
           <a:p>
             <a:pPr lvl="2"/>
             <a:r>
-              <a:rPr lang="en-US" smtClean="0"/>
+              <a:rPr lang="en-US"/>
               <a:t>Third level</a:t>
             </a:r>
           </a:p>
           <a:p>
             <a:pPr lvl="3"/>
             <a:r>
-              <a:rPr lang="en-US" smtClean="0"/>
+              <a:rPr lang="en-US"/>
               <a:t>Fourth level</a:t>
             </a:r>
           </a:p>
           <a:p>
             <a:pPr lvl="4"/>
             <a:r>
-              <a:rPr lang="en-US" smtClean="0"/>
+              <a:rPr lang="en-US"/>
               <a:t>Fifth level</a:t>
             </a:r>
-            <a:endParaRPr lang="en-US"/>
           </a:p>
         </p:txBody>
       </p:sp>
@@ -6478,10 +6471,9 @@
           <a:lstStyle/>
           <a:p>
             <a:r>
-              <a:rPr lang="en-US" smtClean="0"/>
+              <a:rPr lang="en-US"/>
               <a:t>Click to edit Master title style</a:t>
             </a:r>
-            <a:endParaRPr lang="en-US"/>
           </a:p>
         </p:txBody>
       </p:sp>
@@ -6502,38 +6494,37 @@
           <a:p>
             <a:pPr lvl="0"/>
             <a:r>
-              <a:rPr lang="en-US" smtClean="0"/>
+              <a:rPr lang="en-US"/>
               <a:t>Click to edit Master text styles</a:t>
             </a:r>
           </a:p>
           <a:p>
             <a:pPr lvl="1"/>
             <a:r>
-              <a:rPr lang="en-US" smtClean="0"/>
+              <a:rPr lang="en-US"/>
               <a:t>Second level</a:t>
             </a:r>
           </a:p>
           <a:p>
             <a:pPr lvl="2"/>
             <a:r>
-              <a:rPr lang="en-US" smtClean="0"/>
+              <a:rPr lang="en-US"/>
               <a:t>Third level</a:t>
             </a:r>
           </a:p>
           <a:p>
             <a:pPr lvl="3"/>
             <a:r>
-              <a:rPr lang="en-US" smtClean="0"/>
+              <a:rPr lang="en-US"/>
               <a:t>Fourth level</a:t>
             </a:r>
           </a:p>
           <a:p>
             <a:pPr lvl="4"/>
             <a:r>
-              <a:rPr lang="en-US" smtClean="0"/>
+              <a:rPr lang="en-US"/>
               <a:t>Fifth level</a:t>
             </a:r>
-            <a:endParaRPr lang="en-US"/>
           </a:p>
         </p:txBody>
       </p:sp>
@@ -6627,10 +6618,9 @@
           </a:lstStyle>
           <a:p>
             <a:r>
-              <a:rPr lang="en-US" smtClean="0"/>
+              <a:rPr lang="en-US"/>
               <a:t>Click to edit Master title style</a:t>
             </a:r>
-            <a:endParaRPr lang="en-US"/>
           </a:p>
         </p:txBody>
       </p:sp>
@@ -6693,7 +6683,7 @@
           <a:p>
             <a:pPr lvl="0"/>
             <a:r>
-              <a:rPr lang="en-US" smtClean="0"/>
+              <a:rPr lang="en-US"/>
               <a:t>Click to edit Master text styles</a:t>
             </a:r>
           </a:p>
@@ -6780,10 +6770,9 @@
           <a:lstStyle/>
           <a:p>
             <a:r>
-              <a:rPr lang="en-US" smtClean="0"/>
+              <a:rPr lang="en-US"/>
               <a:t>Click to edit Master title style</a:t>
             </a:r>
-            <a:endParaRPr lang="en-US"/>
           </a:p>
         </p:txBody>
       </p:sp>
@@ -6837,38 +6826,37 @@
           <a:p>
             <a:pPr lvl="0"/>
             <a:r>
-              <a:rPr lang="en-US" smtClean="0"/>
+              <a:rPr lang="en-US"/>
               <a:t>Click to edit Master text styles</a:t>
             </a:r>
           </a:p>
           <a:p>
             <a:pPr lvl="1"/>
             <a:r>
-              <a:rPr lang="en-US" smtClean="0"/>
+              <a:rPr lang="en-US"/>
               <a:t>Second level</a:t>
             </a:r>
           </a:p>
           <a:p>
             <a:pPr lvl="2"/>
             <a:r>
-              <a:rPr lang="en-US" smtClean="0"/>
+              <a:rPr lang="en-US"/>
               <a:t>Third level</a:t>
             </a:r>
           </a:p>
           <a:p>
             <a:pPr lvl="3"/>
             <a:r>
-              <a:rPr lang="en-US" smtClean="0"/>
+              <a:rPr lang="en-US"/>
               <a:t>Fourth level</a:t>
             </a:r>
           </a:p>
           <a:p>
             <a:pPr lvl="4"/>
             <a:r>
-              <a:rPr lang="en-US" smtClean="0"/>
+              <a:rPr lang="en-US"/>
               <a:t>Fifth level</a:t>
             </a:r>
-            <a:endParaRPr lang="en-US"/>
           </a:p>
         </p:txBody>
       </p:sp>
@@ -6922,38 +6910,37 @@
           <a:p>
             <a:pPr lvl="0"/>
             <a:r>
-              <a:rPr lang="en-US" smtClean="0"/>
+              <a:rPr lang="en-US"/>
               <a:t>Click to edit Master text styles</a:t>
             </a:r>
           </a:p>
           <a:p>
             <a:pPr lvl="1"/>
             <a:r>
-              <a:rPr lang="en-US" smtClean="0"/>
+              <a:rPr lang="en-US"/>
               <a:t>Second level</a:t>
             </a:r>
           </a:p>
           <a:p>
             <a:pPr lvl="2"/>
             <a:r>
-              <a:rPr lang="en-US" smtClean="0"/>
+              <a:rPr lang="en-US"/>
               <a:t>Third level</a:t>
             </a:r>
           </a:p>
           <a:p>
             <a:pPr lvl="3"/>
             <a:r>
-              <a:rPr lang="en-US" smtClean="0"/>
+              <a:rPr lang="en-US"/>
               <a:t>Fourth level</a:t>
             </a:r>
           </a:p>
           <a:p>
             <a:pPr lvl="4"/>
             <a:r>
-              <a:rPr lang="en-US" smtClean="0"/>
+              <a:rPr lang="en-US"/>
               <a:t>Fifth level</a:t>
             </a:r>
-            <a:endParaRPr lang="en-US"/>
           </a:p>
         </p:txBody>
       </p:sp>
@@ -7047,10 +7034,9 @@
           </a:lstStyle>
           <a:p>
             <a:r>
-              <a:rPr lang="en-US" smtClean="0"/>
+              <a:rPr lang="en-US"/>
               <a:t>Click to edit Master title style</a:t>
             </a:r>
-            <a:endParaRPr lang="en-US"/>
           </a:p>
         </p:txBody>
       </p:sp>
@@ -7113,7 +7099,7 @@
           <a:p>
             <a:pPr lvl="0"/>
             <a:r>
-              <a:rPr lang="en-US" smtClean="0"/>
+              <a:rPr lang="en-US"/>
               <a:t>Click to edit Master text styles</a:t>
             </a:r>
           </a:p>
@@ -7169,38 +7155,37 @@
           <a:p>
             <a:pPr lvl="0"/>
             <a:r>
-              <a:rPr lang="en-US" smtClean="0"/>
+              <a:rPr lang="en-US"/>
               <a:t>Click to edit Master text styles</a:t>
             </a:r>
           </a:p>
           <a:p>
             <a:pPr lvl="1"/>
             <a:r>
-              <a:rPr lang="en-US" smtClean="0"/>
+              <a:rPr lang="en-US"/>
               <a:t>Second level</a:t>
             </a:r>
           </a:p>
           <a:p>
             <a:pPr lvl="2"/>
             <a:r>
-              <a:rPr lang="en-US" smtClean="0"/>
+              <a:rPr lang="en-US"/>
               <a:t>Third level</a:t>
             </a:r>
           </a:p>
           <a:p>
             <a:pPr lvl="3"/>
             <a:r>
-              <a:rPr lang="en-US" smtClean="0"/>
+              <a:rPr lang="en-US"/>
               <a:t>Fourth level</a:t>
             </a:r>
           </a:p>
           <a:p>
             <a:pPr lvl="4"/>
             <a:r>
-              <a:rPr lang="en-US" smtClean="0"/>
+              <a:rPr lang="en-US"/>
               <a:t>Fifth level</a:t>
             </a:r>
-            <a:endParaRPr lang="en-US"/>
           </a:p>
         </p:txBody>
       </p:sp>
@@ -7263,7 +7248,7 @@
           <a:p>
             <a:pPr lvl="0"/>
             <a:r>
-              <a:rPr lang="en-US" smtClean="0"/>
+              <a:rPr lang="en-US"/>
               <a:t>Click to edit Master text styles</a:t>
             </a:r>
           </a:p>
@@ -7319,38 +7304,37 @@
           <a:p>
             <a:pPr lvl="0"/>
             <a:r>
-              <a:rPr lang="en-US" smtClean="0"/>
+              <a:rPr lang="en-US"/>
               <a:t>Click to edit Master text styles</a:t>
             </a:r>
           </a:p>
           <a:p>
             <a:pPr lvl="1"/>
             <a:r>
-              <a:rPr lang="en-US" smtClean="0"/>
+              <a:rPr lang="en-US"/>
               <a:t>Second level</a:t>
             </a:r>
           </a:p>
           <a:p>
             <a:pPr lvl="2"/>
             <a:r>
-              <a:rPr lang="en-US" smtClean="0"/>
+              <a:rPr lang="en-US"/>
               <a:t>Third level</a:t>
             </a:r>
           </a:p>
           <a:p>
             <a:pPr lvl="3"/>
             <a:r>
-              <a:rPr lang="en-US" smtClean="0"/>
+              <a:rPr lang="en-US"/>
               <a:t>Fourth level</a:t>
             </a:r>
           </a:p>
           <a:p>
             <a:pPr lvl="4"/>
             <a:r>
-              <a:rPr lang="en-US" smtClean="0"/>
+              <a:rPr lang="en-US"/>
               <a:t>Fifth level</a:t>
             </a:r>
-            <a:endParaRPr lang="en-US"/>
           </a:p>
         </p:txBody>
       </p:sp>
@@ -7435,10 +7419,9 @@
           <a:lstStyle/>
           <a:p>
             <a:r>
-              <a:rPr lang="en-US" smtClean="0"/>
+              <a:rPr lang="en-US"/>
               <a:t>Click to edit Master title style</a:t>
             </a:r>
-            <a:endParaRPr lang="en-US"/>
           </a:p>
         </p:txBody>
       </p:sp>
@@ -7597,10 +7580,9 @@
           </a:lstStyle>
           <a:p>
             <a:r>
-              <a:rPr lang="en-US" smtClean="0"/>
+              <a:rPr lang="en-US"/>
               <a:t>Click to edit Master title style</a:t>
             </a:r>
-            <a:endParaRPr lang="en-US"/>
           </a:p>
         </p:txBody>
       </p:sp>
@@ -7654,38 +7636,37 @@
           <a:p>
             <a:pPr lvl="0"/>
             <a:r>
-              <a:rPr lang="en-US" smtClean="0"/>
+              <a:rPr lang="en-US"/>
               <a:t>Click to edit Master text styles</a:t>
             </a:r>
           </a:p>
           <a:p>
             <a:pPr lvl="1"/>
             <a:r>
-              <a:rPr lang="en-US" smtClean="0"/>
+              <a:rPr lang="en-US"/>
               <a:t>Second level</a:t>
             </a:r>
           </a:p>
           <a:p>
             <a:pPr lvl="2"/>
             <a:r>
-              <a:rPr lang="en-US" smtClean="0"/>
+              <a:rPr lang="en-US"/>
               <a:t>Third level</a:t>
             </a:r>
           </a:p>
           <a:p>
             <a:pPr lvl="3"/>
             <a:r>
-              <a:rPr lang="en-US" smtClean="0"/>
+              <a:rPr lang="en-US"/>
               <a:t>Fourth level</a:t>
             </a:r>
           </a:p>
           <a:p>
             <a:pPr lvl="4"/>
             <a:r>
-              <a:rPr lang="en-US" smtClean="0"/>
+              <a:rPr lang="en-US"/>
               <a:t>Fifth level</a:t>
             </a:r>
-            <a:endParaRPr lang="en-US"/>
           </a:p>
         </p:txBody>
       </p:sp>
@@ -7748,7 +7729,7 @@
           <a:p>
             <a:pPr lvl="0"/>
             <a:r>
-              <a:rPr lang="en-US" smtClean="0"/>
+              <a:rPr lang="en-US"/>
               <a:t>Click to edit Master text styles</a:t>
             </a:r>
           </a:p>
@@ -7844,10 +7825,9 @@
           </a:lstStyle>
           <a:p>
             <a:r>
-              <a:rPr lang="en-US" smtClean="0"/>
+              <a:rPr lang="en-US"/>
               <a:t>Click to edit Master title style</a:t>
             </a:r>
-            <a:endParaRPr lang="en-US"/>
           </a:p>
         </p:txBody>
       </p:sp>
@@ -7909,7 +7889,7 @@
           </a:lstStyle>
           <a:p>
             <a:pPr lvl="0"/>
-            <a:endParaRPr lang="en-US" noProof="0" smtClean="0"/>
+            <a:endParaRPr lang="en-US" noProof="0"/>
           </a:p>
         </p:txBody>
       </p:sp>
@@ -7972,7 +7952,7 @@
           <a:p>
             <a:pPr lvl="0"/>
             <a:r>
-              <a:rPr lang="en-US" smtClean="0"/>
+              <a:rPr lang="en-US"/>
               <a:t>Click to edit Master text styles</a:t>
             </a:r>
           </a:p>
@@ -8103,35 +8083,35 @@
           <a:p>
             <a:pPr lvl="0"/>
             <a:r>
-              <a:rPr lang="en-US" altLang="fa-IR" smtClean="0"/>
+              <a:rPr lang="en-US" altLang="fa-IR"/>
               <a:t>Click to edit Master text styles</a:t>
             </a:r>
           </a:p>
           <a:p>
             <a:pPr lvl="1"/>
             <a:r>
-              <a:rPr lang="en-US" altLang="fa-IR" smtClean="0"/>
+              <a:rPr lang="en-US" altLang="fa-IR"/>
               <a:t>Second level</a:t>
             </a:r>
           </a:p>
           <a:p>
             <a:pPr lvl="2"/>
             <a:r>
-              <a:rPr lang="en-US" altLang="fa-IR" smtClean="0"/>
+              <a:rPr lang="en-US" altLang="fa-IR"/>
               <a:t>  Third level</a:t>
             </a:r>
           </a:p>
           <a:p>
             <a:pPr lvl="3"/>
             <a:r>
-              <a:rPr lang="en-US" altLang="fa-IR" smtClean="0"/>
+              <a:rPr lang="en-US" altLang="fa-IR"/>
               <a:t>Fourth level</a:t>
             </a:r>
           </a:p>
           <a:p>
             <a:pPr lvl="4"/>
             <a:r>
-              <a:rPr lang="en-US" altLang="fa-IR" smtClean="0"/>
+              <a:rPr lang="en-US" altLang="fa-IR"/>
               <a:t>Fifth level</a:t>
             </a:r>
           </a:p>
@@ -8189,7 +8169,7 @@
           <a:p>
             <a:pPr lvl="0"/>
             <a:r>
-              <a:rPr lang="en-US" altLang="fa-IR" smtClean="0"/>
+              <a:rPr lang="en-US" altLang="fa-IR"/>
               <a:t>Click to edit Master title style</a:t>
             </a:r>
           </a:p>
@@ -9005,7 +8985,7 @@
           <a:p>
             <a:pPr eaLnBrk="1" hangingPunct="1"/>
             <a:r>
-              <a:rPr lang="en-US" altLang="fa-IR" sz="4300" smtClean="0"/>
+              <a:rPr lang="en-US" altLang="fa-IR" sz="4300"/>
               <a:t>Verilog</a:t>
             </a:r>
           </a:p>
@@ -9029,7 +9009,7 @@
           <a:lstStyle/>
           <a:p>
             <a:pPr eaLnBrk="1" hangingPunct="1"/>
-            <a:endParaRPr lang="fa-IR" altLang="fa-IR" smtClean="0"/>
+            <a:endParaRPr lang="fa-IR" altLang="fa-IR"/>
           </a:p>
         </p:txBody>
       </p:sp>
@@ -9038,13 +9018,6 @@
   <p:clrMapOvr>
     <a:masterClrMapping/>
   </p:clrMapOvr>
-  <p:timing>
-    <p:tnLst>
-      <p:par>
-        <p:cTn id="1" dur="indefinite" restart="never" nodeType="tmRoot"/>
-      </p:par>
-    </p:tnLst>
-  </p:timing>
 </p:sld>
 </file>
 
@@ -9289,7 +9262,7 @@
           <a:p>
             <a:pPr eaLnBrk="1" hangingPunct="1"/>
             <a:r>
-              <a:rPr lang="en-US" altLang="fa-IR" sz="3600" smtClean="0"/>
+              <a:rPr lang="en-US" altLang="fa-IR" sz="3600"/>
               <a:t>JK-FF Description (Behavioral)</a:t>
             </a:r>
           </a:p>
@@ -9881,28 +9854,28 @@
           <a:p>
             <a:pPr marL="742950" lvl="1" indent="-285750" eaLnBrk="1" hangingPunct="1"/>
             <a:r>
-              <a:rPr lang="en-US" altLang="fa-IR" sz="2500" smtClean="0"/>
+              <a:rPr lang="en-US" altLang="fa-IR" sz="2500"/>
               <a:t> </a:t>
             </a:r>
             <a:r>
-              <a:rPr lang="en-US" altLang="fa-IR" sz="2500" b="1" smtClean="0">
+              <a:rPr lang="en-US" altLang="fa-IR" sz="2500" b="1">
                 <a:latin typeface="Courier New" panose="02070309020205020404" pitchFamily="49" charset="0"/>
                 <a:cs typeface="Courier New" panose="02070309020205020404" pitchFamily="49" charset="0"/>
               </a:rPr>
               <a:t>case</a:t>
             </a:r>
             <a:r>
-              <a:rPr lang="en-US" altLang="fa-IR" sz="2500" smtClean="0"/>
+              <a:rPr lang="en-US" altLang="fa-IR" sz="2500"/>
               <a:t> executes one of the statements.</a:t>
             </a:r>
           </a:p>
           <a:p>
             <a:pPr marL="742950" lvl="1" indent="-285750" eaLnBrk="1" hangingPunct="1"/>
-            <a:endParaRPr lang="en-US" altLang="fa-IR" sz="2500" smtClean="0"/>
+            <a:endParaRPr lang="en-US" altLang="fa-IR" sz="2500"/>
           </a:p>
           <a:p>
             <a:pPr marL="742950" lvl="1" indent="-285750" eaLnBrk="1" hangingPunct="1"/>
-            <a:endParaRPr lang="en-US" altLang="fa-IR" sz="2500" smtClean="0"/>
+            <a:endParaRPr lang="en-US" altLang="fa-IR" sz="2500"/>
           </a:p>
         </p:txBody>
       </p:sp>
@@ -9911,13 +9884,6 @@
   <p:clrMapOvr>
     <a:masterClrMapping/>
   </p:clrMapOvr>
-  <p:timing>
-    <p:tnLst>
-      <p:par>
-        <p:cTn id="1" dur="indefinite" restart="never" nodeType="tmRoot"/>
-      </p:par>
-    </p:tnLst>
-  </p:timing>
 </p:sld>
 </file>
 
@@ -10167,14 +10133,14 @@
           <a:p>
             <a:pPr eaLnBrk="1" hangingPunct="1"/>
             <a:r>
-              <a:rPr lang="en-US" altLang="fa-IR" sz="3600" smtClean="0"/>
+              <a:rPr lang="en-US" altLang="fa-IR" sz="3600"/>
               <a:t>A Sequential Circuit:</a:t>
             </a:r>
             <a:br>
-              <a:rPr lang="en-US" altLang="fa-IR" sz="3600" smtClean="0"/>
+              <a:rPr lang="en-US" altLang="fa-IR" sz="3600"/>
             </a:br>
             <a:r>
-              <a:rPr lang="en-US" altLang="fa-IR" sz="3600" smtClean="0"/>
+              <a:rPr lang="en-US" altLang="fa-IR" sz="3600"/>
               <a:t>Schematic Diagram</a:t>
             </a:r>
           </a:p>
@@ -10245,13 +10211,6 @@
   <p:clrMapOvr>
     <a:masterClrMapping/>
   </p:clrMapOvr>
-  <p:timing>
-    <p:tnLst>
-      <p:par>
-        <p:cTn id="1" dur="indefinite" restart="never" nodeType="tmRoot"/>
-      </p:par>
-    </p:tnLst>
-  </p:timing>
 </p:sld>
 </file>
 
@@ -10496,7 +10455,7 @@
           <a:p>
             <a:pPr eaLnBrk="1" hangingPunct="1"/>
             <a:r>
-              <a:rPr lang="en-US" altLang="fa-IR" sz="3600" smtClean="0"/>
+              <a:rPr lang="en-US" altLang="fa-IR" sz="3600"/>
               <a:t>State Diagram (Behavioral)</a:t>
             </a:r>
           </a:p>
@@ -10524,11 +10483,11 @@
           <a:lstStyle/>
           <a:p>
             <a:pPr marL="742950" lvl="1" indent="-285750" eaLnBrk="1" hangingPunct="1"/>
-            <a:endParaRPr lang="en-US" altLang="fa-IR" sz="2500" smtClean="0"/>
+            <a:endParaRPr lang="en-US" altLang="fa-IR" sz="2500"/>
           </a:p>
           <a:p>
             <a:pPr marL="742950" lvl="1" indent="-285750" eaLnBrk="1" hangingPunct="1"/>
-            <a:endParaRPr lang="en-US" altLang="fa-IR" sz="2500" smtClean="0"/>
+            <a:endParaRPr lang="en-US" altLang="fa-IR" sz="2500"/>
           </a:p>
         </p:txBody>
       </p:sp>
@@ -10591,13 +10550,6 @@
   <p:clrMapOvr>
     <a:masterClrMapping/>
   </p:clrMapOvr>
-  <p:timing>
-    <p:tnLst>
-      <p:par>
-        <p:cTn id="1" dur="indefinite" restart="never" nodeType="tmRoot"/>
-      </p:par>
-    </p:tnLst>
-  </p:timing>
 </p:sld>
 </file>
 
@@ -10842,7 +10794,7 @@
           <a:p>
             <a:pPr eaLnBrk="1" hangingPunct="1"/>
             <a:r>
-              <a:rPr lang="en-US" altLang="fa-IR" sz="3600" smtClean="0"/>
+              <a:rPr lang="en-US" altLang="fa-IR" sz="3600"/>
               <a:t>Mealy (Behavioral)</a:t>
             </a:r>
           </a:p>
@@ -10866,11 +10818,11 @@
           <a:lstStyle/>
           <a:p>
             <a:pPr marL="742950" lvl="1" indent="-285750" eaLnBrk="1" hangingPunct="1"/>
-            <a:endParaRPr lang="en-US" altLang="fa-IR" sz="2500" smtClean="0"/>
+            <a:endParaRPr lang="en-US" altLang="fa-IR" sz="2500"/>
           </a:p>
           <a:p>
             <a:pPr marL="742950" lvl="1" indent="-285750" eaLnBrk="1" hangingPunct="1"/>
-            <a:endParaRPr lang="en-US" altLang="fa-IR" sz="2500" smtClean="0"/>
+            <a:endParaRPr lang="en-US" altLang="fa-IR" sz="2500"/>
           </a:p>
         </p:txBody>
       </p:sp>
@@ -11856,7 +11808,7 @@
               <a:t>S1</a:t>
             </a:r>
             <a:r>
-              <a:rPr lang="en-US" altLang="fa-IR" sz="1500" dirty="0" smtClean="0">
+              <a:rPr lang="en-US" altLang="fa-IR" sz="1500" dirty="0">
                 <a:solidFill>
                   <a:schemeClr val="tx1"/>
                 </a:solidFill>
@@ -11878,7 +11830,7 @@
               <a:buNone/>
             </a:pPr>
             <a:r>
-              <a:rPr lang="en-US" altLang="fa-IR" sz="1500" dirty="0" smtClean="0">
+              <a:rPr lang="en-US" altLang="fa-IR" sz="1500" dirty="0">
                 <a:solidFill>
                   <a:schemeClr val="tx1"/>
                 </a:solidFill>
@@ -12144,7 +12096,7 @@
               <a:t>S0</a:t>
             </a:r>
             <a:r>
-              <a:rPr lang="en-US" altLang="fa-IR" sz="1500" dirty="0" smtClean="0">
+              <a:rPr lang="en-US" altLang="fa-IR" sz="1500" dirty="0">
                 <a:solidFill>
                   <a:schemeClr val="tx1"/>
                 </a:solidFill>
@@ -12173,17 +12125,7 @@
                 <a:latin typeface="Courier New" panose="02070309020205020404" pitchFamily="49" charset="0"/>
                 <a:cs typeface="Courier New" panose="02070309020205020404" pitchFamily="49" charset="0"/>
               </a:rPr>
-              <a:t> </a:t>
-            </a:r>
-            <a:r>
-              <a:rPr lang="en-US" altLang="fa-IR" sz="1500" dirty="0" smtClean="0">
-                <a:solidFill>
-                  <a:schemeClr val="tx1"/>
-                </a:solidFill>
-                <a:latin typeface="Courier New" panose="02070309020205020404" pitchFamily="49" charset="0"/>
-                <a:cs typeface="Courier New" panose="02070309020205020404" pitchFamily="49" charset="0"/>
-              </a:rPr>
-              <a:t>                 else </a:t>
+              <a:t>                  else </a:t>
             </a:r>
             <a:r>
               <a:rPr lang="en-US" altLang="fa-IR" sz="1500" dirty="0" err="1">
@@ -12206,7 +12148,7 @@
               <a:t> = </a:t>
             </a:r>
             <a:r>
-              <a:rPr lang="en-US" altLang="fa-IR" sz="1500" dirty="0" err="1" smtClean="0">
+              <a:rPr lang="en-US" altLang="fa-IR" sz="1500" dirty="0" err="1">
                 <a:solidFill>
                   <a:schemeClr val="tx1"/>
                 </a:solidFill>
@@ -12216,7 +12158,7 @@
               <a:t>S2</a:t>
             </a:r>
             <a:r>
-              <a:rPr lang="en-US" altLang="fa-IR" sz="1500" dirty="0" smtClean="0">
+              <a:rPr lang="en-US" altLang="fa-IR" sz="1500" dirty="0">
                 <a:solidFill>
                   <a:schemeClr val="tx1"/>
                 </a:solidFill>
@@ -12225,13 +12167,6 @@
               </a:rPr>
               <a:t>;</a:t>
             </a:r>
-            <a:endParaRPr lang="en-US" altLang="fa-IR" sz="1500" dirty="0">
-              <a:solidFill>
-                <a:schemeClr val="tx1"/>
-              </a:solidFill>
-              <a:latin typeface="Courier New" panose="02070309020205020404" pitchFamily="49" charset="0"/>
-              <a:cs typeface="Courier New" panose="02070309020205020404" pitchFamily="49" charset="0"/>
-            </a:endParaRPr>
           </a:p>
           <a:p>
             <a:pPr eaLnBrk="1" hangingPunct="1">
@@ -13097,13 +13032,6 @@
   <p:clrMapOvr>
     <a:masterClrMapping/>
   </p:clrMapOvr>
-  <p:timing>
-    <p:tnLst>
-      <p:par>
-        <p:cTn id="1" dur="indefinite" restart="never" nodeType="tmRoot"/>
-      </p:par>
-    </p:tnLst>
-  </p:timing>
 </p:sld>
 </file>
 
@@ -13348,18 +13276,18 @@
           <a:p>
             <a:pPr eaLnBrk="1" hangingPunct="1"/>
             <a:r>
-              <a:rPr lang="en-US" altLang="fa-IR" sz="3600" smtClean="0"/>
+              <a:rPr lang="en-US" altLang="fa-IR" sz="3600"/>
               <a:t>Moore (Behavioral) (One </a:t>
             </a:r>
             <a:r>
-              <a:rPr lang="en-US" altLang="fa-IR" sz="3600" smtClean="0">
+              <a:rPr lang="en-US" altLang="fa-IR" sz="3600">
                 <a:latin typeface="Courier New" panose="02070309020205020404" pitchFamily="49" charset="0"/>
                 <a:cs typeface="Courier New" panose="02070309020205020404" pitchFamily="49" charset="0"/>
               </a:rPr>
               <a:t>always</a:t>
             </a:r>
             <a:r>
-              <a:rPr lang="en-US" altLang="fa-IR" sz="3600" smtClean="0"/>
+              <a:rPr lang="en-US" altLang="fa-IR" sz="3600"/>
               <a:t>)</a:t>
             </a:r>
           </a:p>
@@ -13383,11 +13311,11 @@
           <a:lstStyle/>
           <a:p>
             <a:pPr marL="742950" lvl="1" indent="-285750" eaLnBrk="1" hangingPunct="1"/>
-            <a:endParaRPr lang="en-US" altLang="fa-IR" sz="2500" smtClean="0"/>
+            <a:endParaRPr lang="en-US" altLang="fa-IR" sz="2500"/>
           </a:p>
           <a:p>
             <a:pPr marL="742950" lvl="1" indent="-285750" eaLnBrk="1" hangingPunct="1"/>
-            <a:endParaRPr lang="en-US" altLang="fa-IR" sz="2500" smtClean="0"/>
+            <a:endParaRPr lang="en-US" altLang="fa-IR" sz="2500"/>
           </a:p>
         </p:txBody>
       </p:sp>
@@ -14156,7 +14084,17 @@
                 <a:latin typeface="Courier New" panose="02070309020205020404" pitchFamily="49" charset="0"/>
                 <a:cs typeface="Courier New" panose="02070309020205020404" pitchFamily="49" charset="0"/>
               </a:rPr>
-              <a:t>; </a:t>
+              <a:t>; else state = </a:t>
+            </a:r>
+            <a:r>
+              <a:rPr lang="en-US" altLang="fa-IR" sz="1500" dirty="0" err="1">
+                <a:solidFill>
+                  <a:schemeClr val="tx1"/>
+                </a:solidFill>
+                <a:latin typeface="Courier New" panose="02070309020205020404" pitchFamily="49" charset="0"/>
+                <a:cs typeface="Courier New" panose="02070309020205020404" pitchFamily="49" charset="0"/>
+              </a:rPr>
+              <a:t>S0</a:t>
             </a:r>
             <a:r>
               <a:rPr lang="en-US" altLang="fa-IR" sz="1500" dirty="0">
@@ -14166,35 +14104,8 @@
                 <a:latin typeface="Courier New" panose="02070309020205020404" pitchFamily="49" charset="0"/>
                 <a:cs typeface="Courier New" panose="02070309020205020404" pitchFamily="49" charset="0"/>
               </a:rPr>
-              <a:t>else state = </a:t>
-            </a:r>
-            <a:r>
-              <a:rPr lang="en-US" altLang="fa-IR" sz="1500" dirty="0" err="1" smtClean="0">
-                <a:solidFill>
-                  <a:schemeClr val="tx1"/>
-                </a:solidFill>
-                <a:latin typeface="Courier New" panose="02070309020205020404" pitchFamily="49" charset="0"/>
-                <a:cs typeface="Courier New" panose="02070309020205020404" pitchFamily="49" charset="0"/>
-              </a:rPr>
-              <a:t>S0</a:t>
-            </a:r>
-            <a:r>
-              <a:rPr lang="en-US" altLang="fa-IR" sz="1500" dirty="0" smtClean="0">
-                <a:solidFill>
-                  <a:schemeClr val="tx1"/>
-                </a:solidFill>
-                <a:latin typeface="Courier New" panose="02070309020205020404" pitchFamily="49" charset="0"/>
-                <a:cs typeface="Courier New" panose="02070309020205020404" pitchFamily="49" charset="0"/>
-              </a:rPr>
               <a:t>;</a:t>
             </a:r>
-            <a:endParaRPr lang="en-US" altLang="fa-IR" sz="1500" dirty="0">
-              <a:solidFill>
-                <a:schemeClr val="tx1"/>
-              </a:solidFill>
-              <a:latin typeface="Courier New" panose="02070309020205020404" pitchFamily="49" charset="0"/>
-              <a:cs typeface="Courier New" panose="02070309020205020404" pitchFamily="49" charset="0"/>
-            </a:endParaRPr>
           </a:p>
           <a:p>
             <a:pPr eaLnBrk="1" hangingPunct="1">
@@ -14340,7 +14251,7 @@
               <a:t>; else state = </a:t>
             </a:r>
             <a:r>
-              <a:rPr lang="en-US" altLang="fa-IR" sz="1500" dirty="0" err="1" smtClean="0">
+              <a:rPr lang="en-US" altLang="fa-IR" sz="1500" dirty="0" err="1">
                 <a:solidFill>
                   <a:schemeClr val="tx1"/>
                 </a:solidFill>
@@ -14350,7 +14261,7 @@
               <a:t>S2</a:t>
             </a:r>
             <a:r>
-              <a:rPr lang="en-US" altLang="fa-IR" sz="1500" dirty="0" smtClean="0">
+              <a:rPr lang="en-US" altLang="fa-IR" sz="1500" dirty="0">
                 <a:solidFill>
                   <a:schemeClr val="tx1"/>
                 </a:solidFill>
@@ -14359,13 +14270,6 @@
               </a:rPr>
               <a:t>;</a:t>
             </a:r>
-            <a:endParaRPr lang="en-US" altLang="fa-IR" sz="1500" dirty="0">
-              <a:solidFill>
-                <a:schemeClr val="tx1"/>
-              </a:solidFill>
-              <a:latin typeface="Courier New" panose="02070309020205020404" pitchFamily="49" charset="0"/>
-              <a:cs typeface="Courier New" panose="02070309020205020404" pitchFamily="49" charset="0"/>
-            </a:endParaRPr>
           </a:p>
           <a:p>
             <a:pPr eaLnBrk="1" hangingPunct="1">
@@ -14426,7 +14330,17 @@
                 <a:latin typeface="Courier New" panose="02070309020205020404" pitchFamily="49" charset="0"/>
                 <a:cs typeface="Courier New" panose="02070309020205020404" pitchFamily="49" charset="0"/>
               </a:rPr>
-              <a:t>; </a:t>
+              <a:t>; else state = </a:t>
+            </a:r>
+            <a:r>
+              <a:rPr lang="en-US" altLang="fa-IR" sz="1500" dirty="0" err="1">
+                <a:solidFill>
+                  <a:schemeClr val="tx1"/>
+                </a:solidFill>
+                <a:latin typeface="Courier New" panose="02070309020205020404" pitchFamily="49" charset="0"/>
+                <a:cs typeface="Courier New" panose="02070309020205020404" pitchFamily="49" charset="0"/>
+              </a:rPr>
+              <a:t>S3</a:t>
             </a:r>
             <a:r>
               <a:rPr lang="en-US" altLang="fa-IR" sz="1500" dirty="0">
@@ -14436,35 +14350,8 @@
                 <a:latin typeface="Courier New" panose="02070309020205020404" pitchFamily="49" charset="0"/>
                 <a:cs typeface="Courier New" panose="02070309020205020404" pitchFamily="49" charset="0"/>
               </a:rPr>
-              <a:t>else state = </a:t>
-            </a:r>
-            <a:r>
-              <a:rPr lang="en-US" altLang="fa-IR" sz="1500" dirty="0" err="1">
-                <a:solidFill>
-                  <a:schemeClr val="tx1"/>
-                </a:solidFill>
-                <a:latin typeface="Courier New" panose="02070309020205020404" pitchFamily="49" charset="0"/>
-                <a:cs typeface="Courier New" panose="02070309020205020404" pitchFamily="49" charset="0"/>
-              </a:rPr>
-              <a:t>S3</a:t>
-            </a:r>
-            <a:r>
-              <a:rPr lang="en-US" altLang="fa-IR" sz="1500" dirty="0">
-                <a:solidFill>
-                  <a:schemeClr val="tx1"/>
-                </a:solidFill>
-                <a:latin typeface="Courier New" panose="02070309020205020404" pitchFamily="49" charset="0"/>
-                <a:cs typeface="Courier New" panose="02070309020205020404" pitchFamily="49" charset="0"/>
-              </a:rPr>
               <a:t>;</a:t>
             </a:r>
-            <a:endParaRPr lang="en-US" altLang="fa-IR" sz="1500" dirty="0">
-              <a:solidFill>
-                <a:schemeClr val="tx1"/>
-              </a:solidFill>
-              <a:latin typeface="Courier New" panose="02070309020205020404" pitchFamily="49" charset="0"/>
-              <a:cs typeface="Courier New" panose="02070309020205020404" pitchFamily="49" charset="0"/>
-            </a:endParaRPr>
           </a:p>
           <a:p>
             <a:pPr eaLnBrk="1" hangingPunct="1">
@@ -14594,13 +14481,6 @@
   <p:clrMapOvr>
     <a:masterClrMapping/>
   </p:clrMapOvr>
-  <p:timing>
-    <p:tnLst>
-      <p:par>
-        <p:cTn id="1" dur="indefinite" restart="never" nodeType="tmRoot"/>
-      </p:par>
-    </p:tnLst>
-  </p:timing>
 </p:sld>
 </file>
 
@@ -14845,7 +14725,7 @@
           <a:p>
             <a:pPr eaLnBrk="1" hangingPunct="1"/>
             <a:r>
-              <a:rPr lang="en-US" altLang="fa-IR" sz="3600" smtClean="0"/>
+              <a:rPr lang="en-US" altLang="fa-IR" sz="3600"/>
               <a:t>Moore (Structural)</a:t>
             </a:r>
           </a:p>
@@ -15235,7 +15115,7 @@
           <a:p>
             <a:pPr eaLnBrk="1" hangingPunct="1"/>
             <a:r>
-              <a:rPr lang="en-US" altLang="fa-IR" sz="3600" smtClean="0"/>
+              <a:rPr lang="en-US" altLang="fa-IR" sz="3600"/>
               <a:t>Moore (Structural)</a:t>
             </a:r>
           </a:p>
@@ -16457,7 +16337,7 @@
           <a:p>
             <a:pPr eaLnBrk="1" hangingPunct="1"/>
             <a:r>
-              <a:rPr lang="en-US" altLang="fa-IR" sz="3600" smtClean="0"/>
+              <a:rPr lang="en-US" altLang="fa-IR" sz="3600"/>
               <a:t>Testbench</a:t>
             </a:r>
           </a:p>
@@ -17122,13 +17002,6 @@
   <p:clrMapOvr>
     <a:masterClrMapping/>
   </p:clrMapOvr>
-  <p:timing>
-    <p:tnLst>
-      <p:par>
-        <p:cTn id="1" dur="indefinite" restart="never" nodeType="tmRoot"/>
-      </p:par>
-    </p:tnLst>
-  </p:timing>
 </p:sld>
 </file>
 
@@ -17373,7 +17246,7 @@
           <a:p>
             <a:pPr eaLnBrk="1" hangingPunct="1"/>
             <a:r>
-              <a:rPr lang="en-US" altLang="fa-IR" sz="3600" smtClean="0"/>
+              <a:rPr lang="en-US" altLang="fa-IR" sz="3600"/>
               <a:t>Waveforms</a:t>
             </a:r>
           </a:p>
@@ -17439,13 +17312,6 @@
     <a:masterClrMapping/>
   </p:clrMapOvr>
   <p:transition/>
-  <p:timing>
-    <p:tnLst>
-      <p:par>
-        <p:cTn id="1" dur="indefinite" restart="never" nodeType="tmRoot"/>
-      </p:par>
-    </p:tnLst>
-  </p:timing>
 </p:sld>
 </file>
 
@@ -17695,7 +17561,7 @@
           <a:p>
             <a:pPr eaLnBrk="1" hangingPunct="1"/>
             <a:r>
-              <a:rPr lang="en-US" altLang="fa-IR" sz="4300" smtClean="0"/>
+              <a:rPr lang="en-US" altLang="fa-IR" sz="4300"/>
               <a:t>Behavioral Description</a:t>
             </a:r>
           </a:p>
@@ -17723,38 +17589,38 @@
           <a:p>
             <a:pPr eaLnBrk="1" hangingPunct="1"/>
             <a:r>
-              <a:rPr lang="en-US" altLang="fa-IR" sz="3000" smtClean="0"/>
+              <a:rPr lang="en-US" altLang="fa-IR" sz="3000"/>
               <a:t>initial:</a:t>
             </a:r>
           </a:p>
           <a:p>
             <a:pPr lvl="1" eaLnBrk="1" hangingPunct="1"/>
             <a:r>
-              <a:rPr lang="en-US" altLang="fa-IR" sz="2500" smtClean="0"/>
+              <a:rPr lang="en-US" altLang="fa-IR" sz="2500"/>
               <a:t>is executed once at the beginning.</a:t>
             </a:r>
           </a:p>
           <a:p>
             <a:pPr eaLnBrk="1" hangingPunct="1"/>
             <a:r>
-              <a:rPr lang="en-US" altLang="fa-IR" sz="3000" smtClean="0"/>
+              <a:rPr lang="en-US" altLang="fa-IR" sz="3000"/>
               <a:t>always:</a:t>
             </a:r>
           </a:p>
           <a:p>
             <a:pPr lvl="1" eaLnBrk="1" hangingPunct="1"/>
             <a:r>
-              <a:rPr lang="en-US" altLang="fa-IR" sz="2500" smtClean="0"/>
+              <a:rPr lang="en-US" altLang="fa-IR" sz="2500"/>
               <a:t>is repeated until the end of simulation.</a:t>
             </a:r>
           </a:p>
           <a:p>
             <a:pPr lvl="1" eaLnBrk="1" hangingPunct="1"/>
-            <a:endParaRPr lang="en-US" altLang="fa-IR" sz="2500" smtClean="0"/>
+            <a:endParaRPr lang="en-US" altLang="fa-IR" sz="2500"/>
           </a:p>
           <a:p>
             <a:pPr lvl="1" eaLnBrk="1" hangingPunct="1"/>
-            <a:endParaRPr lang="en-US" altLang="fa-IR" sz="2500" smtClean="0"/>
+            <a:endParaRPr lang="en-US" altLang="fa-IR" sz="2500"/>
           </a:p>
         </p:txBody>
       </p:sp>
@@ -17763,13 +17629,6 @@
   <p:clrMapOvr>
     <a:masterClrMapping/>
   </p:clrMapOvr>
-  <p:timing>
-    <p:tnLst>
-      <p:par>
-        <p:cTn id="1" dur="indefinite" restart="never" nodeType="tmRoot"/>
-      </p:par>
-    </p:tnLst>
-  </p:timing>
 </p:sld>
 </file>
 
@@ -18014,7 +17873,7 @@
           <a:p>
             <a:pPr eaLnBrk="1" hangingPunct="1"/>
             <a:r>
-              <a:rPr lang="en-US" altLang="fa-IR" sz="3600" smtClean="0"/>
+              <a:rPr lang="en-US" altLang="fa-IR" sz="3600"/>
               <a:t>Clock Generation</a:t>
             </a:r>
           </a:p>
@@ -18386,21 +18245,21 @@
           <a:p>
             <a:pPr marL="347663" lvl="1" indent="-231775" eaLnBrk="1" hangingPunct="1"/>
             <a:r>
-              <a:rPr lang="en-US" altLang="fa-IR" sz="2800" smtClean="0"/>
+              <a:rPr lang="en-US" altLang="fa-IR" sz="2800"/>
               <a:t> Two methods:</a:t>
             </a:r>
           </a:p>
           <a:p>
             <a:pPr marL="1198563" lvl="2" indent="-228600" eaLnBrk="1" hangingPunct="1"/>
             <a:r>
-              <a:rPr lang="en-US" altLang="fa-IR" sz="2400" smtClean="0"/>
+              <a:rPr lang="en-US" altLang="fa-IR" sz="2400"/>
               <a:t> 15 cycles of clock.</a:t>
             </a:r>
           </a:p>
           <a:p>
             <a:pPr marL="1198563" lvl="2" indent="-228600" eaLnBrk="1" hangingPunct="1"/>
             <a:r>
-              <a:rPr lang="en-US" altLang="fa-IR" sz="2400" smtClean="0"/>
+              <a:rPr lang="en-US" altLang="fa-IR" sz="2400"/>
               <a:t> clock period = 20 time units.</a:t>
             </a:r>
           </a:p>
@@ -19144,7 +19003,7 @@
           <a:p>
             <a:pPr eaLnBrk="1" hangingPunct="1"/>
             <a:r>
-              <a:rPr lang="en-US" altLang="fa-IR" sz="3600" smtClean="0"/>
+              <a:rPr lang="en-US" altLang="fa-IR" sz="3600"/>
               <a:t>? Description</a:t>
             </a:r>
           </a:p>
@@ -19585,79 +19444,79 @@
           <a:p>
             <a:pPr marL="742950" lvl="1" indent="-285750" eaLnBrk="1" hangingPunct="1"/>
             <a:r>
-              <a:rPr lang="en-US" altLang="fa-IR" sz="2500" smtClean="0"/>
+              <a:rPr lang="en-US" altLang="fa-IR" sz="2500"/>
               <a:t> Output Q must be declared as </a:t>
             </a:r>
             <a:r>
-              <a:rPr lang="en-US" altLang="fa-IR" sz="2500" b="1" smtClean="0">
+              <a:rPr lang="en-US" altLang="fa-IR" sz="2500" b="1">
                 <a:latin typeface="Courier New" panose="02070309020205020404" pitchFamily="49" charset="0"/>
                 <a:cs typeface="Courier New" panose="02070309020205020404" pitchFamily="49" charset="0"/>
               </a:rPr>
               <a:t>reg</a:t>
             </a:r>
             <a:r>
-              <a:rPr lang="en-US" altLang="fa-IR" sz="2500" smtClean="0"/>
+              <a:rPr lang="en-US" altLang="fa-IR" sz="2500"/>
               <a:t>.</a:t>
             </a:r>
           </a:p>
           <a:p>
             <a:pPr marL="742950" lvl="1" indent="-285750" eaLnBrk="1" hangingPunct="1"/>
             <a:r>
-              <a:rPr lang="en-US" altLang="fa-IR" sz="2500" smtClean="0"/>
+              <a:rPr lang="en-US" altLang="fa-IR" sz="2500"/>
               <a:t> Inside </a:t>
             </a:r>
             <a:r>
-              <a:rPr lang="en-US" altLang="fa-IR" sz="2500" b="1" smtClean="0">
+              <a:rPr lang="en-US" altLang="fa-IR" sz="2500" b="1">
                 <a:latin typeface="Courier New" panose="02070309020205020404" pitchFamily="49" charset="0"/>
                 <a:cs typeface="Courier New" panose="02070309020205020404" pitchFamily="49" charset="0"/>
               </a:rPr>
               <a:t>initial</a:t>
             </a:r>
             <a:r>
-              <a:rPr lang="en-US" altLang="fa-IR" sz="2500" smtClean="0"/>
+              <a:rPr lang="en-US" altLang="fa-IR" sz="2500"/>
               <a:t> and </a:t>
             </a:r>
             <a:r>
-              <a:rPr lang="en-US" altLang="fa-IR" sz="2500" b="1" smtClean="0">
+              <a:rPr lang="en-US" altLang="fa-IR" sz="2500" b="1">
                 <a:latin typeface="Courier New" panose="02070309020205020404" pitchFamily="49" charset="0"/>
                 <a:cs typeface="Courier New" panose="02070309020205020404" pitchFamily="49" charset="0"/>
               </a:rPr>
               <a:t>always</a:t>
             </a:r>
             <a:r>
-              <a:rPr lang="en-US" altLang="fa-IR" sz="2500" smtClean="0"/>
+              <a:rPr lang="en-US" altLang="fa-IR" sz="2500"/>
               <a:t>, </a:t>
             </a:r>
             <a:r>
-              <a:rPr lang="en-US" altLang="fa-IR" sz="2500" b="1" smtClean="0">
+              <a:rPr lang="en-US" altLang="fa-IR" sz="2500" b="1">
                 <a:latin typeface="Courier New" panose="02070309020205020404" pitchFamily="49" charset="0"/>
                 <a:cs typeface="Courier New" panose="02070309020205020404" pitchFamily="49" charset="0"/>
               </a:rPr>
               <a:t>if-else</a:t>
             </a:r>
             <a:r>
-              <a:rPr lang="en-US" altLang="fa-IR" sz="2500" smtClean="0"/>
+              <a:rPr lang="en-US" altLang="fa-IR" sz="2500"/>
               <a:t> and </a:t>
             </a:r>
             <a:r>
-              <a:rPr lang="en-US" altLang="fa-IR" sz="2500" b="1" smtClean="0">
+              <a:rPr lang="en-US" altLang="fa-IR" sz="2500" b="1">
                 <a:latin typeface="Courier New" panose="02070309020205020404" pitchFamily="49" charset="0"/>
                 <a:cs typeface="Courier New" panose="02070309020205020404" pitchFamily="49" charset="0"/>
               </a:rPr>
               <a:t>case</a:t>
             </a:r>
             <a:r>
-              <a:rPr lang="en-US" altLang="fa-IR" sz="2500" smtClean="0"/>
+              <a:rPr lang="en-US" altLang="fa-IR" sz="2500"/>
               <a:t> statements can be used.</a:t>
             </a:r>
           </a:p>
           <a:p>
             <a:pPr marL="742950" lvl="1" indent="-285750" eaLnBrk="1" hangingPunct="1"/>
-            <a:endParaRPr lang="en-US" altLang="fa-IR" sz="2500" smtClean="0"/>
+            <a:endParaRPr lang="en-US" altLang="fa-IR" sz="2500"/>
           </a:p>
           <a:p>
             <a:pPr marL="742950" lvl="1" indent="-285750" eaLnBrk="1" hangingPunct="1"/>
-            <a:endParaRPr lang="en-US" altLang="fa-IR" sz="2500" smtClean="0"/>
+            <a:endParaRPr lang="en-US" altLang="fa-IR" sz="2500"/>
           </a:p>
         </p:txBody>
       </p:sp>
@@ -19666,18 +19525,11 @@
   <p:clrMapOvr>
     <a:masterClrMapping/>
   </p:clrMapOvr>
-  <p:timing>
-    <p:tnLst>
-      <p:par>
-        <p:cTn id="1" dur="indefinite" restart="never" nodeType="tmRoot"/>
-      </p:par>
-    </p:tnLst>
-  </p:timing>
 </p:sld>
 </file>
 
 <file path=ppt/slides/slide5.xml><?xml version="1.0" encoding="utf-8"?>
-<p:sld xmlns:a="http://schemas.openxmlformats.org/drawingml/2006/main" xmlns:r="http://schemas.openxmlformats.org/officeDocument/2006/relationships" xmlns:p="http://schemas.openxmlformats.org/presentationml/2006/main" show="0">
+<p:sld xmlns:a="http://schemas.openxmlformats.org/drawingml/2006/main" xmlns:r="http://schemas.openxmlformats.org/officeDocument/2006/relationships" xmlns:p="http://schemas.openxmlformats.org/presentationml/2006/main">
   <p:cSld>
     <p:spTree>
       <p:nvGrpSpPr>
@@ -19917,7 +19769,7 @@
           <a:p>
             <a:pPr eaLnBrk="1" hangingPunct="1"/>
             <a:r>
-              <a:rPr lang="en-US" altLang="fa-IR" sz="3600" smtClean="0"/>
+              <a:rPr lang="en-US" altLang="fa-IR" sz="3600"/>
               <a:t>D-Latch Description</a:t>
             </a:r>
           </a:p>
@@ -20358,79 +20210,79 @@
           <a:p>
             <a:pPr marL="742950" lvl="1" indent="-285750" eaLnBrk="1" hangingPunct="1"/>
             <a:r>
-              <a:rPr lang="en-US" altLang="fa-IR" sz="2500" smtClean="0"/>
+              <a:rPr lang="en-US" altLang="fa-IR" sz="2500"/>
               <a:t> Output Q must be declared as </a:t>
             </a:r>
             <a:r>
-              <a:rPr lang="en-US" altLang="fa-IR" sz="2500" b="1" smtClean="0">
+              <a:rPr lang="en-US" altLang="fa-IR" sz="2500" b="1">
                 <a:latin typeface="Courier New" panose="02070309020205020404" pitchFamily="49" charset="0"/>
                 <a:cs typeface="Courier New" panose="02070309020205020404" pitchFamily="49" charset="0"/>
               </a:rPr>
               <a:t>reg</a:t>
             </a:r>
             <a:r>
-              <a:rPr lang="en-US" altLang="fa-IR" sz="2500" smtClean="0"/>
+              <a:rPr lang="en-US" altLang="fa-IR" sz="2500"/>
               <a:t>.</a:t>
             </a:r>
           </a:p>
           <a:p>
             <a:pPr marL="742950" lvl="1" indent="-285750" eaLnBrk="1" hangingPunct="1"/>
             <a:r>
-              <a:rPr lang="en-US" altLang="fa-IR" sz="2500" smtClean="0"/>
+              <a:rPr lang="en-US" altLang="fa-IR" sz="2500"/>
               <a:t> Inside </a:t>
             </a:r>
             <a:r>
-              <a:rPr lang="en-US" altLang="fa-IR" sz="2500" b="1" smtClean="0">
+              <a:rPr lang="en-US" altLang="fa-IR" sz="2500" b="1">
                 <a:latin typeface="Courier New" panose="02070309020205020404" pitchFamily="49" charset="0"/>
                 <a:cs typeface="Courier New" panose="02070309020205020404" pitchFamily="49" charset="0"/>
               </a:rPr>
               <a:t>initial</a:t>
             </a:r>
             <a:r>
-              <a:rPr lang="en-US" altLang="fa-IR" sz="2500" smtClean="0"/>
+              <a:rPr lang="en-US" altLang="fa-IR" sz="2500"/>
               <a:t> and </a:t>
             </a:r>
             <a:r>
-              <a:rPr lang="en-US" altLang="fa-IR" sz="2500" b="1" smtClean="0">
+              <a:rPr lang="en-US" altLang="fa-IR" sz="2500" b="1">
                 <a:latin typeface="Courier New" panose="02070309020205020404" pitchFamily="49" charset="0"/>
                 <a:cs typeface="Courier New" panose="02070309020205020404" pitchFamily="49" charset="0"/>
               </a:rPr>
               <a:t>always</a:t>
             </a:r>
             <a:r>
-              <a:rPr lang="en-US" altLang="fa-IR" sz="2500" smtClean="0"/>
+              <a:rPr lang="en-US" altLang="fa-IR" sz="2500"/>
               <a:t>, </a:t>
             </a:r>
             <a:r>
-              <a:rPr lang="en-US" altLang="fa-IR" sz="2500" b="1" smtClean="0">
+              <a:rPr lang="en-US" altLang="fa-IR" sz="2500" b="1">
                 <a:latin typeface="Courier New" panose="02070309020205020404" pitchFamily="49" charset="0"/>
                 <a:cs typeface="Courier New" panose="02070309020205020404" pitchFamily="49" charset="0"/>
               </a:rPr>
               <a:t>if-else</a:t>
             </a:r>
             <a:r>
-              <a:rPr lang="en-US" altLang="fa-IR" sz="2500" smtClean="0"/>
+              <a:rPr lang="en-US" altLang="fa-IR" sz="2500"/>
               <a:t> and </a:t>
             </a:r>
             <a:r>
-              <a:rPr lang="en-US" altLang="fa-IR" sz="2500" b="1" smtClean="0">
+              <a:rPr lang="en-US" altLang="fa-IR" sz="2500" b="1">
                 <a:latin typeface="Courier New" panose="02070309020205020404" pitchFamily="49" charset="0"/>
                 <a:cs typeface="Courier New" panose="02070309020205020404" pitchFamily="49" charset="0"/>
               </a:rPr>
               <a:t>case</a:t>
             </a:r>
             <a:r>
-              <a:rPr lang="en-US" altLang="fa-IR" sz="2500" smtClean="0"/>
+              <a:rPr lang="en-US" altLang="fa-IR" sz="2500"/>
               <a:t> statements can be used.</a:t>
             </a:r>
           </a:p>
           <a:p>
             <a:pPr marL="742950" lvl="1" indent="-285750" eaLnBrk="1" hangingPunct="1"/>
-            <a:endParaRPr lang="en-US" altLang="fa-IR" sz="2500" smtClean="0"/>
+            <a:endParaRPr lang="en-US" altLang="fa-IR" sz="2500"/>
           </a:p>
           <a:p>
             <a:pPr marL="742950" lvl="1" indent="-285750" eaLnBrk="1" hangingPunct="1"/>
-            <a:endParaRPr lang="en-US" altLang="fa-IR" sz="2500" smtClean="0"/>
+            <a:endParaRPr lang="en-US" altLang="fa-IR" sz="2500"/>
           </a:p>
         </p:txBody>
       </p:sp>
@@ -20440,13 +20292,6 @@
     <a:masterClrMapping/>
   </p:clrMapOvr>
   <p:transition/>
-  <p:timing>
-    <p:tnLst>
-      <p:par>
-        <p:cTn id="1" dur="indefinite" restart="never" nodeType="tmRoot"/>
-      </p:par>
-    </p:tnLst>
-  </p:timing>
 </p:sld>
 </file>
 
@@ -20691,7 +20536,7 @@
           <a:p>
             <a:pPr eaLnBrk="1" hangingPunct="1"/>
             <a:r>
-              <a:rPr lang="en-US" altLang="fa-IR" sz="3600" smtClean="0"/>
+              <a:rPr lang="en-US" altLang="fa-IR" sz="3600"/>
               <a:t>D Flip-Flop Description</a:t>
             </a:r>
           </a:p>
@@ -21114,13 +20959,6 @@
   <p:clrMapOvr>
     <a:masterClrMapping/>
   </p:clrMapOvr>
-  <p:timing>
-    <p:tnLst>
-      <p:par>
-        <p:cTn id="1" dur="indefinite" restart="never" nodeType="tmRoot"/>
-      </p:par>
-    </p:tnLst>
-  </p:timing>
 </p:sld>
 </file>
 
@@ -21365,7 +21203,7 @@
           <a:p>
             <a:pPr eaLnBrk="1" hangingPunct="1"/>
             <a:r>
-              <a:rPr lang="en-US" altLang="fa-IR" sz="3600" smtClean="0"/>
+              <a:rPr lang="en-US" altLang="fa-IR" sz="3600"/>
               <a:t>D Flip-Flop Description</a:t>
             </a:r>
           </a:p>
@@ -22761,7 +22599,7 @@
           <a:p>
             <a:pPr eaLnBrk="1" hangingPunct="1"/>
             <a:r>
-              <a:rPr lang="en-US" altLang="fa-IR" sz="3600" smtClean="0"/>
+              <a:rPr lang="en-US" altLang="fa-IR" sz="3600"/>
               <a:t>T-FF Description (Structural)</a:t>
             </a:r>
           </a:p>
@@ -23454,18 +23292,11 @@
   <p:clrMapOvr>
     <a:masterClrMapping/>
   </p:clrMapOvr>
-  <p:timing>
-    <p:tnLst>
-      <p:par>
-        <p:cTn id="1" dur="indefinite" restart="never" nodeType="tmRoot"/>
-      </p:par>
-    </p:tnLst>
-  </p:timing>
 </p:sld>
 </file>
 
 <file path=ppt/slides/slide9.xml><?xml version="1.0" encoding="utf-8"?>
-<p:sld xmlns:a="http://schemas.openxmlformats.org/drawingml/2006/main" xmlns:r="http://schemas.openxmlformats.org/officeDocument/2006/relationships" xmlns:p="http://schemas.openxmlformats.org/presentationml/2006/main" show="0">
+<p:sld xmlns:a="http://schemas.openxmlformats.org/drawingml/2006/main" xmlns:r="http://schemas.openxmlformats.org/officeDocument/2006/relationships" xmlns:p="http://schemas.openxmlformats.org/presentationml/2006/main">
   <p:cSld>
     <p:spTree>
       <p:nvGrpSpPr>
@@ -23705,7 +23536,7 @@
           <a:p>
             <a:pPr eaLnBrk="1" hangingPunct="1"/>
             <a:r>
-              <a:rPr lang="en-US" altLang="fa-IR" sz="3600" smtClean="0"/>
+              <a:rPr lang="en-US" altLang="fa-IR" sz="3600"/>
               <a:t>JK-FF Description (Structural)</a:t>
             </a:r>
           </a:p>
@@ -24126,13 +23957,6 @@
     <a:masterClrMapping/>
   </p:clrMapOvr>
   <p:transition/>
-  <p:timing>
-    <p:tnLst>
-      <p:par>
-        <p:cTn id="1" dur="indefinite" restart="never" nodeType="tmRoot"/>
-      </p:par>
-    </p:tnLst>
-  </p:timing>
 </p:sld>
 </file>
 
